--- a/Documentation/User_Stories.pptx
+++ b/Documentation/User_Stories.pptx
@@ -259,7 +259,7 @@
           <a:p>
             <a:fld id="{EA32AE60-52C0-4C31-9638-C34A6DEB5272}" type="datetimeFigureOut">
               <a:rPr lang="en-AU" smtClean="0"/>
-              <a:t>16/08/2017</a:t>
+              <a:t>18/8/17</a:t>
             </a:fld>
             <a:endParaRPr lang="en-AU"/>
           </a:p>
@@ -429,7 +429,7 @@
           <a:p>
             <a:fld id="{EA32AE60-52C0-4C31-9638-C34A6DEB5272}" type="datetimeFigureOut">
               <a:rPr lang="en-AU" smtClean="0"/>
-              <a:t>16/08/2017</a:t>
+              <a:t>18/8/17</a:t>
             </a:fld>
             <a:endParaRPr lang="en-AU"/>
           </a:p>
@@ -609,7 +609,7 @@
           <a:p>
             <a:fld id="{EA32AE60-52C0-4C31-9638-C34A6DEB5272}" type="datetimeFigureOut">
               <a:rPr lang="en-AU" smtClean="0"/>
-              <a:t>16/08/2017</a:t>
+              <a:t>18/8/17</a:t>
             </a:fld>
             <a:endParaRPr lang="en-AU"/>
           </a:p>
@@ -779,7 +779,7 @@
           <a:p>
             <a:fld id="{EA32AE60-52C0-4C31-9638-C34A6DEB5272}" type="datetimeFigureOut">
               <a:rPr lang="en-AU" smtClean="0"/>
-              <a:t>16/08/2017</a:t>
+              <a:t>18/8/17</a:t>
             </a:fld>
             <a:endParaRPr lang="en-AU"/>
           </a:p>
@@ -1025,7 +1025,7 @@
           <a:p>
             <a:fld id="{EA32AE60-52C0-4C31-9638-C34A6DEB5272}" type="datetimeFigureOut">
               <a:rPr lang="en-AU" smtClean="0"/>
-              <a:t>16/08/2017</a:t>
+              <a:t>18/8/17</a:t>
             </a:fld>
             <a:endParaRPr lang="en-AU"/>
           </a:p>
@@ -1257,7 +1257,7 @@
           <a:p>
             <a:fld id="{EA32AE60-52C0-4C31-9638-C34A6DEB5272}" type="datetimeFigureOut">
               <a:rPr lang="en-AU" smtClean="0"/>
-              <a:t>16/08/2017</a:t>
+              <a:t>18/8/17</a:t>
             </a:fld>
             <a:endParaRPr lang="en-AU"/>
           </a:p>
@@ -1624,7 +1624,7 @@
           <a:p>
             <a:fld id="{EA32AE60-52C0-4C31-9638-C34A6DEB5272}" type="datetimeFigureOut">
               <a:rPr lang="en-AU" smtClean="0"/>
-              <a:t>16/08/2017</a:t>
+              <a:t>18/8/17</a:t>
             </a:fld>
             <a:endParaRPr lang="en-AU"/>
           </a:p>
@@ -1742,7 +1742,7 @@
           <a:p>
             <a:fld id="{EA32AE60-52C0-4C31-9638-C34A6DEB5272}" type="datetimeFigureOut">
               <a:rPr lang="en-AU" smtClean="0"/>
-              <a:t>16/08/2017</a:t>
+              <a:t>18/8/17</a:t>
             </a:fld>
             <a:endParaRPr lang="en-AU"/>
           </a:p>
@@ -1837,7 +1837,7 @@
           <a:p>
             <a:fld id="{EA32AE60-52C0-4C31-9638-C34A6DEB5272}" type="datetimeFigureOut">
               <a:rPr lang="en-AU" smtClean="0"/>
-              <a:t>16/08/2017</a:t>
+              <a:t>18/8/17</a:t>
             </a:fld>
             <a:endParaRPr lang="en-AU"/>
           </a:p>
@@ -2114,7 +2114,7 @@
           <a:p>
             <a:fld id="{EA32AE60-52C0-4C31-9638-C34A6DEB5272}" type="datetimeFigureOut">
               <a:rPr lang="en-AU" smtClean="0"/>
-              <a:t>16/08/2017</a:t>
+              <a:t>18/8/17</a:t>
             </a:fld>
             <a:endParaRPr lang="en-AU"/>
           </a:p>
@@ -2367,7 +2367,7 @@
           <a:p>
             <a:fld id="{EA32AE60-52C0-4C31-9638-C34A6DEB5272}" type="datetimeFigureOut">
               <a:rPr lang="en-AU" smtClean="0"/>
-              <a:t>16/08/2017</a:t>
+              <a:t>18/8/17</a:t>
             </a:fld>
             <a:endParaRPr lang="en-AU"/>
           </a:p>
@@ -2580,7 +2580,7 @@
           <a:p>
             <a:fld id="{EA32AE60-52C0-4C31-9638-C34A6DEB5272}" type="datetimeFigureOut">
               <a:rPr lang="en-AU" smtClean="0"/>
-              <a:t>16/08/2017</a:t>
+              <a:t>18/8/17</a:t>
             </a:fld>
             <a:endParaRPr lang="en-AU"/>
           </a:p>
@@ -3606,42 +3606,42 @@
                 <a:gridCol w="1100667">
                   <a:extLst>
                     <a:ext uri="{9D8B030D-6E8A-4147-A177-3AD203B41FA5}">
-                      <a16:colId xmlns:a16="http://schemas.microsoft.com/office/drawing/2014/main" val="4198427936"/>
+                      <a16:colId xmlns:a16="http://schemas.microsoft.com/office/drawing/2014/main" xmlns="" val="4198427936"/>
                     </a:ext>
                   </a:extLst>
                 </a:gridCol>
                 <a:gridCol w="1100667">
                   <a:extLst>
                     <a:ext uri="{9D8B030D-6E8A-4147-A177-3AD203B41FA5}">
-                      <a16:colId xmlns:a16="http://schemas.microsoft.com/office/drawing/2014/main" val="4254424111"/>
+                      <a16:colId xmlns:a16="http://schemas.microsoft.com/office/drawing/2014/main" xmlns="" val="4254424111"/>
                     </a:ext>
                   </a:extLst>
                 </a:gridCol>
                 <a:gridCol w="1100667">
                   <a:extLst>
                     <a:ext uri="{9D8B030D-6E8A-4147-A177-3AD203B41FA5}">
-                      <a16:colId xmlns:a16="http://schemas.microsoft.com/office/drawing/2014/main" val="1907837265"/>
+                      <a16:colId xmlns:a16="http://schemas.microsoft.com/office/drawing/2014/main" xmlns="" val="1907837265"/>
                     </a:ext>
                   </a:extLst>
                 </a:gridCol>
                 <a:gridCol w="1100667">
                   <a:extLst>
                     <a:ext uri="{9D8B030D-6E8A-4147-A177-3AD203B41FA5}">
-                      <a16:colId xmlns:a16="http://schemas.microsoft.com/office/drawing/2014/main" val="3563690776"/>
+                      <a16:colId xmlns:a16="http://schemas.microsoft.com/office/drawing/2014/main" xmlns="" val="3563690776"/>
                     </a:ext>
                   </a:extLst>
                 </a:gridCol>
                 <a:gridCol w="1100667">
                   <a:extLst>
                     <a:ext uri="{9D8B030D-6E8A-4147-A177-3AD203B41FA5}">
-                      <a16:colId xmlns:a16="http://schemas.microsoft.com/office/drawing/2014/main" val="1971670682"/>
+                      <a16:colId xmlns:a16="http://schemas.microsoft.com/office/drawing/2014/main" xmlns="" val="1971670682"/>
                     </a:ext>
                   </a:extLst>
                 </a:gridCol>
                 <a:gridCol w="1100667">
                   <a:extLst>
                     <a:ext uri="{9D8B030D-6E8A-4147-A177-3AD203B41FA5}">
-                      <a16:colId xmlns:a16="http://schemas.microsoft.com/office/drawing/2014/main" val="1190195206"/>
+                      <a16:colId xmlns:a16="http://schemas.microsoft.com/office/drawing/2014/main" xmlns="" val="1190195206"/>
                     </a:ext>
                   </a:extLst>
                 </a:gridCol>
@@ -3727,7 +3727,7 @@
                 </a:tc>
                 <a:extLst>
                   <a:ext uri="{0D108BD9-81ED-4DB2-BD59-A6C34878D82A}">
-                    <a16:rowId xmlns:a16="http://schemas.microsoft.com/office/drawing/2014/main" val="1040562129"/>
+                    <a16:rowId xmlns:a16="http://schemas.microsoft.com/office/drawing/2014/main" xmlns="" val="1040562129"/>
                   </a:ext>
                 </a:extLst>
               </a:tr>
@@ -3847,7 +3847,7 @@
                 </a:tc>
                 <a:extLst>
                   <a:ext uri="{0D108BD9-81ED-4DB2-BD59-A6C34878D82A}">
-                    <a16:rowId xmlns:a16="http://schemas.microsoft.com/office/drawing/2014/main" val="3545416657"/>
+                    <a16:rowId xmlns:a16="http://schemas.microsoft.com/office/drawing/2014/main" xmlns="" val="3545416657"/>
                   </a:ext>
                 </a:extLst>
               </a:tr>
@@ -4334,42 +4334,42 @@
                 <a:gridCol w="1100667">
                   <a:extLst>
                     <a:ext uri="{9D8B030D-6E8A-4147-A177-3AD203B41FA5}">
-                      <a16:colId xmlns:a16="http://schemas.microsoft.com/office/drawing/2014/main" val="4198427936"/>
+                      <a16:colId xmlns:a16="http://schemas.microsoft.com/office/drawing/2014/main" xmlns="" val="4198427936"/>
                     </a:ext>
                   </a:extLst>
                 </a:gridCol>
                 <a:gridCol w="1100667">
                   <a:extLst>
                     <a:ext uri="{9D8B030D-6E8A-4147-A177-3AD203B41FA5}">
-                      <a16:colId xmlns:a16="http://schemas.microsoft.com/office/drawing/2014/main" val="4254424111"/>
+                      <a16:colId xmlns:a16="http://schemas.microsoft.com/office/drawing/2014/main" xmlns="" val="4254424111"/>
                     </a:ext>
                   </a:extLst>
                 </a:gridCol>
                 <a:gridCol w="1100667">
                   <a:extLst>
                     <a:ext uri="{9D8B030D-6E8A-4147-A177-3AD203B41FA5}">
-                      <a16:colId xmlns:a16="http://schemas.microsoft.com/office/drawing/2014/main" val="1907837265"/>
+                      <a16:colId xmlns:a16="http://schemas.microsoft.com/office/drawing/2014/main" xmlns="" val="1907837265"/>
                     </a:ext>
                   </a:extLst>
                 </a:gridCol>
                 <a:gridCol w="1100667">
                   <a:extLst>
                     <a:ext uri="{9D8B030D-6E8A-4147-A177-3AD203B41FA5}">
-                      <a16:colId xmlns:a16="http://schemas.microsoft.com/office/drawing/2014/main" val="3563690776"/>
+                      <a16:colId xmlns:a16="http://schemas.microsoft.com/office/drawing/2014/main" xmlns="" val="3563690776"/>
                     </a:ext>
                   </a:extLst>
                 </a:gridCol>
                 <a:gridCol w="1100667">
                   <a:extLst>
                     <a:ext uri="{9D8B030D-6E8A-4147-A177-3AD203B41FA5}">
-                      <a16:colId xmlns:a16="http://schemas.microsoft.com/office/drawing/2014/main" val="1971670682"/>
+                      <a16:colId xmlns:a16="http://schemas.microsoft.com/office/drawing/2014/main" xmlns="" val="1971670682"/>
                     </a:ext>
                   </a:extLst>
                 </a:gridCol>
                 <a:gridCol w="1100667">
                   <a:extLst>
                     <a:ext uri="{9D8B030D-6E8A-4147-A177-3AD203B41FA5}">
-                      <a16:colId xmlns:a16="http://schemas.microsoft.com/office/drawing/2014/main" val="1190195206"/>
+                      <a16:colId xmlns:a16="http://schemas.microsoft.com/office/drawing/2014/main" xmlns="" val="1190195206"/>
                     </a:ext>
                   </a:extLst>
                 </a:gridCol>
@@ -4455,7 +4455,7 @@
                 </a:tc>
                 <a:extLst>
                   <a:ext uri="{0D108BD9-81ED-4DB2-BD59-A6C34878D82A}">
-                    <a16:rowId xmlns:a16="http://schemas.microsoft.com/office/drawing/2014/main" val="1040562129"/>
+                    <a16:rowId xmlns:a16="http://schemas.microsoft.com/office/drawing/2014/main" xmlns="" val="1040562129"/>
                   </a:ext>
                 </a:extLst>
               </a:tr>
@@ -4575,7 +4575,7 @@
                 </a:tc>
                 <a:extLst>
                   <a:ext uri="{0D108BD9-81ED-4DB2-BD59-A6C34878D82A}">
-                    <a16:rowId xmlns:a16="http://schemas.microsoft.com/office/drawing/2014/main" val="3545416657"/>
+                    <a16:rowId xmlns:a16="http://schemas.microsoft.com/office/drawing/2014/main" xmlns="" val="3545416657"/>
                   </a:ext>
                 </a:extLst>
               </a:tr>
@@ -5076,42 +5076,42 @@
                 <a:gridCol w="1100667">
                   <a:extLst>
                     <a:ext uri="{9D8B030D-6E8A-4147-A177-3AD203B41FA5}">
-                      <a16:colId xmlns:a16="http://schemas.microsoft.com/office/drawing/2014/main" val="4198427936"/>
+                      <a16:colId xmlns:a16="http://schemas.microsoft.com/office/drawing/2014/main" xmlns="" val="4198427936"/>
                     </a:ext>
                   </a:extLst>
                 </a:gridCol>
                 <a:gridCol w="1100667">
                   <a:extLst>
                     <a:ext uri="{9D8B030D-6E8A-4147-A177-3AD203B41FA5}">
-                      <a16:colId xmlns:a16="http://schemas.microsoft.com/office/drawing/2014/main" val="4254424111"/>
+                      <a16:colId xmlns:a16="http://schemas.microsoft.com/office/drawing/2014/main" xmlns="" val="4254424111"/>
                     </a:ext>
                   </a:extLst>
                 </a:gridCol>
                 <a:gridCol w="1100667">
                   <a:extLst>
                     <a:ext uri="{9D8B030D-6E8A-4147-A177-3AD203B41FA5}">
-                      <a16:colId xmlns:a16="http://schemas.microsoft.com/office/drawing/2014/main" val="1907837265"/>
+                      <a16:colId xmlns:a16="http://schemas.microsoft.com/office/drawing/2014/main" xmlns="" val="1907837265"/>
                     </a:ext>
                   </a:extLst>
                 </a:gridCol>
                 <a:gridCol w="1100667">
                   <a:extLst>
                     <a:ext uri="{9D8B030D-6E8A-4147-A177-3AD203B41FA5}">
-                      <a16:colId xmlns:a16="http://schemas.microsoft.com/office/drawing/2014/main" val="3563690776"/>
+                      <a16:colId xmlns:a16="http://schemas.microsoft.com/office/drawing/2014/main" xmlns="" val="3563690776"/>
                     </a:ext>
                   </a:extLst>
                 </a:gridCol>
                 <a:gridCol w="1100667">
                   <a:extLst>
                     <a:ext uri="{9D8B030D-6E8A-4147-A177-3AD203B41FA5}">
-                      <a16:colId xmlns:a16="http://schemas.microsoft.com/office/drawing/2014/main" val="1971670682"/>
+                      <a16:colId xmlns:a16="http://schemas.microsoft.com/office/drawing/2014/main" xmlns="" val="1971670682"/>
                     </a:ext>
                   </a:extLst>
                 </a:gridCol>
                 <a:gridCol w="1100667">
                   <a:extLst>
                     <a:ext uri="{9D8B030D-6E8A-4147-A177-3AD203B41FA5}">
-                      <a16:colId xmlns:a16="http://schemas.microsoft.com/office/drawing/2014/main" val="1190195206"/>
+                      <a16:colId xmlns:a16="http://schemas.microsoft.com/office/drawing/2014/main" xmlns="" val="1190195206"/>
                     </a:ext>
                   </a:extLst>
                 </a:gridCol>
@@ -5197,7 +5197,7 @@
                 </a:tc>
                 <a:extLst>
                   <a:ext uri="{0D108BD9-81ED-4DB2-BD59-A6C34878D82A}">
-                    <a16:rowId xmlns:a16="http://schemas.microsoft.com/office/drawing/2014/main" val="1040562129"/>
+                    <a16:rowId xmlns:a16="http://schemas.microsoft.com/office/drawing/2014/main" xmlns="" val="1040562129"/>
                   </a:ext>
                 </a:extLst>
               </a:tr>
@@ -5317,7 +5317,7 @@
                 </a:tc>
                 <a:extLst>
                   <a:ext uri="{0D108BD9-81ED-4DB2-BD59-A6C34878D82A}">
-                    <a16:rowId xmlns:a16="http://schemas.microsoft.com/office/drawing/2014/main" val="3545416657"/>
+                    <a16:rowId xmlns:a16="http://schemas.microsoft.com/office/drawing/2014/main" xmlns="" val="3545416657"/>
                   </a:ext>
                 </a:extLst>
               </a:tr>
@@ -5809,42 +5809,42 @@
                 <a:gridCol w="1100667">
                   <a:extLst>
                     <a:ext uri="{9D8B030D-6E8A-4147-A177-3AD203B41FA5}">
-                      <a16:colId xmlns:a16="http://schemas.microsoft.com/office/drawing/2014/main" val="4198427936"/>
+                      <a16:colId xmlns:a16="http://schemas.microsoft.com/office/drawing/2014/main" xmlns="" val="4198427936"/>
                     </a:ext>
                   </a:extLst>
                 </a:gridCol>
                 <a:gridCol w="1100667">
                   <a:extLst>
                     <a:ext uri="{9D8B030D-6E8A-4147-A177-3AD203B41FA5}">
-                      <a16:colId xmlns:a16="http://schemas.microsoft.com/office/drawing/2014/main" val="4254424111"/>
+                      <a16:colId xmlns:a16="http://schemas.microsoft.com/office/drawing/2014/main" xmlns="" val="4254424111"/>
                     </a:ext>
                   </a:extLst>
                 </a:gridCol>
                 <a:gridCol w="1100667">
                   <a:extLst>
                     <a:ext uri="{9D8B030D-6E8A-4147-A177-3AD203B41FA5}">
-                      <a16:colId xmlns:a16="http://schemas.microsoft.com/office/drawing/2014/main" val="1907837265"/>
+                      <a16:colId xmlns:a16="http://schemas.microsoft.com/office/drawing/2014/main" xmlns="" val="1907837265"/>
                     </a:ext>
                   </a:extLst>
                 </a:gridCol>
                 <a:gridCol w="1100667">
                   <a:extLst>
                     <a:ext uri="{9D8B030D-6E8A-4147-A177-3AD203B41FA5}">
-                      <a16:colId xmlns:a16="http://schemas.microsoft.com/office/drawing/2014/main" val="3563690776"/>
+                      <a16:colId xmlns:a16="http://schemas.microsoft.com/office/drawing/2014/main" xmlns="" val="3563690776"/>
                     </a:ext>
                   </a:extLst>
                 </a:gridCol>
                 <a:gridCol w="1100667">
                   <a:extLst>
                     <a:ext uri="{9D8B030D-6E8A-4147-A177-3AD203B41FA5}">
-                      <a16:colId xmlns:a16="http://schemas.microsoft.com/office/drawing/2014/main" val="1971670682"/>
+                      <a16:colId xmlns:a16="http://schemas.microsoft.com/office/drawing/2014/main" xmlns="" val="1971670682"/>
                     </a:ext>
                   </a:extLst>
                 </a:gridCol>
                 <a:gridCol w="1100667">
                   <a:extLst>
                     <a:ext uri="{9D8B030D-6E8A-4147-A177-3AD203B41FA5}">
-                      <a16:colId xmlns:a16="http://schemas.microsoft.com/office/drawing/2014/main" val="1190195206"/>
+                      <a16:colId xmlns:a16="http://schemas.microsoft.com/office/drawing/2014/main" xmlns="" val="1190195206"/>
                     </a:ext>
                   </a:extLst>
                 </a:gridCol>
@@ -5930,7 +5930,7 @@
                 </a:tc>
                 <a:extLst>
                   <a:ext uri="{0D108BD9-81ED-4DB2-BD59-A6C34878D82A}">
-                    <a16:rowId xmlns:a16="http://schemas.microsoft.com/office/drawing/2014/main" val="1040562129"/>
+                    <a16:rowId xmlns:a16="http://schemas.microsoft.com/office/drawing/2014/main" xmlns="" val="1040562129"/>
                   </a:ext>
                 </a:extLst>
               </a:tr>
@@ -6050,7 +6050,7 @@
                 </a:tc>
                 <a:extLst>
                   <a:ext uri="{0D108BD9-81ED-4DB2-BD59-A6C34878D82A}">
-                    <a16:rowId xmlns:a16="http://schemas.microsoft.com/office/drawing/2014/main" val="3545416657"/>
+                    <a16:rowId xmlns:a16="http://schemas.microsoft.com/office/drawing/2014/main" xmlns="" val="3545416657"/>
                   </a:ext>
                 </a:extLst>
               </a:tr>
@@ -6551,42 +6551,42 @@
                 <a:gridCol w="1100667">
                   <a:extLst>
                     <a:ext uri="{9D8B030D-6E8A-4147-A177-3AD203B41FA5}">
-                      <a16:colId xmlns:a16="http://schemas.microsoft.com/office/drawing/2014/main" val="4198427936"/>
+                      <a16:colId xmlns:a16="http://schemas.microsoft.com/office/drawing/2014/main" xmlns="" val="4198427936"/>
                     </a:ext>
                   </a:extLst>
                 </a:gridCol>
                 <a:gridCol w="1100667">
                   <a:extLst>
                     <a:ext uri="{9D8B030D-6E8A-4147-A177-3AD203B41FA5}">
-                      <a16:colId xmlns:a16="http://schemas.microsoft.com/office/drawing/2014/main" val="4254424111"/>
+                      <a16:colId xmlns:a16="http://schemas.microsoft.com/office/drawing/2014/main" xmlns="" val="4254424111"/>
                     </a:ext>
                   </a:extLst>
                 </a:gridCol>
                 <a:gridCol w="1100667">
                   <a:extLst>
                     <a:ext uri="{9D8B030D-6E8A-4147-A177-3AD203B41FA5}">
-                      <a16:colId xmlns:a16="http://schemas.microsoft.com/office/drawing/2014/main" val="1907837265"/>
+                      <a16:colId xmlns:a16="http://schemas.microsoft.com/office/drawing/2014/main" xmlns="" val="1907837265"/>
                     </a:ext>
                   </a:extLst>
                 </a:gridCol>
                 <a:gridCol w="1100667">
                   <a:extLst>
                     <a:ext uri="{9D8B030D-6E8A-4147-A177-3AD203B41FA5}">
-                      <a16:colId xmlns:a16="http://schemas.microsoft.com/office/drawing/2014/main" val="3563690776"/>
+                      <a16:colId xmlns:a16="http://schemas.microsoft.com/office/drawing/2014/main" xmlns="" val="3563690776"/>
                     </a:ext>
                   </a:extLst>
                 </a:gridCol>
                 <a:gridCol w="1100667">
                   <a:extLst>
                     <a:ext uri="{9D8B030D-6E8A-4147-A177-3AD203B41FA5}">
-                      <a16:colId xmlns:a16="http://schemas.microsoft.com/office/drawing/2014/main" val="1971670682"/>
+                      <a16:colId xmlns:a16="http://schemas.microsoft.com/office/drawing/2014/main" xmlns="" val="1971670682"/>
                     </a:ext>
                   </a:extLst>
                 </a:gridCol>
                 <a:gridCol w="1100667">
                   <a:extLst>
                     <a:ext uri="{9D8B030D-6E8A-4147-A177-3AD203B41FA5}">
-                      <a16:colId xmlns:a16="http://schemas.microsoft.com/office/drawing/2014/main" val="1190195206"/>
+                      <a16:colId xmlns:a16="http://schemas.microsoft.com/office/drawing/2014/main" xmlns="" val="1190195206"/>
                     </a:ext>
                   </a:extLst>
                 </a:gridCol>
@@ -6672,7 +6672,7 @@
                 </a:tc>
                 <a:extLst>
                   <a:ext uri="{0D108BD9-81ED-4DB2-BD59-A6C34878D82A}">
-                    <a16:rowId xmlns:a16="http://schemas.microsoft.com/office/drawing/2014/main" val="1040562129"/>
+                    <a16:rowId xmlns:a16="http://schemas.microsoft.com/office/drawing/2014/main" xmlns="" val="1040562129"/>
                   </a:ext>
                 </a:extLst>
               </a:tr>
@@ -6792,7 +6792,7 @@
                 </a:tc>
                 <a:extLst>
                   <a:ext uri="{0D108BD9-81ED-4DB2-BD59-A6C34878D82A}">
-                    <a16:rowId xmlns:a16="http://schemas.microsoft.com/office/drawing/2014/main" val="3545416657"/>
+                    <a16:rowId xmlns:a16="http://schemas.microsoft.com/office/drawing/2014/main" xmlns="" val="3545416657"/>
                   </a:ext>
                 </a:extLst>
               </a:tr>
@@ -7335,42 +7335,42 @@
                 <a:gridCol w="1100667">
                   <a:extLst>
                     <a:ext uri="{9D8B030D-6E8A-4147-A177-3AD203B41FA5}">
-                      <a16:colId xmlns:a16="http://schemas.microsoft.com/office/drawing/2014/main" val="4198427936"/>
+                      <a16:colId xmlns:a16="http://schemas.microsoft.com/office/drawing/2014/main" xmlns="" val="4198427936"/>
                     </a:ext>
                   </a:extLst>
                 </a:gridCol>
                 <a:gridCol w="1100667">
                   <a:extLst>
                     <a:ext uri="{9D8B030D-6E8A-4147-A177-3AD203B41FA5}">
-                      <a16:colId xmlns:a16="http://schemas.microsoft.com/office/drawing/2014/main" val="4254424111"/>
+                      <a16:colId xmlns:a16="http://schemas.microsoft.com/office/drawing/2014/main" xmlns="" val="4254424111"/>
                     </a:ext>
                   </a:extLst>
                 </a:gridCol>
                 <a:gridCol w="1100667">
                   <a:extLst>
                     <a:ext uri="{9D8B030D-6E8A-4147-A177-3AD203B41FA5}">
-                      <a16:colId xmlns:a16="http://schemas.microsoft.com/office/drawing/2014/main" val="1907837265"/>
+                      <a16:colId xmlns:a16="http://schemas.microsoft.com/office/drawing/2014/main" xmlns="" val="1907837265"/>
                     </a:ext>
                   </a:extLst>
                 </a:gridCol>
                 <a:gridCol w="1100667">
                   <a:extLst>
                     <a:ext uri="{9D8B030D-6E8A-4147-A177-3AD203B41FA5}">
-                      <a16:colId xmlns:a16="http://schemas.microsoft.com/office/drawing/2014/main" val="3563690776"/>
+                      <a16:colId xmlns:a16="http://schemas.microsoft.com/office/drawing/2014/main" xmlns="" val="3563690776"/>
                     </a:ext>
                   </a:extLst>
                 </a:gridCol>
                 <a:gridCol w="1100667">
                   <a:extLst>
                     <a:ext uri="{9D8B030D-6E8A-4147-A177-3AD203B41FA5}">
-                      <a16:colId xmlns:a16="http://schemas.microsoft.com/office/drawing/2014/main" val="1971670682"/>
+                      <a16:colId xmlns:a16="http://schemas.microsoft.com/office/drawing/2014/main" xmlns="" val="1971670682"/>
                     </a:ext>
                   </a:extLst>
                 </a:gridCol>
                 <a:gridCol w="1100667">
                   <a:extLst>
                     <a:ext uri="{9D8B030D-6E8A-4147-A177-3AD203B41FA5}">
-                      <a16:colId xmlns:a16="http://schemas.microsoft.com/office/drawing/2014/main" val="1190195206"/>
+                      <a16:colId xmlns:a16="http://schemas.microsoft.com/office/drawing/2014/main" xmlns="" val="1190195206"/>
                     </a:ext>
                   </a:extLst>
                 </a:gridCol>
@@ -7456,7 +7456,7 @@
                 </a:tc>
                 <a:extLst>
                   <a:ext uri="{0D108BD9-81ED-4DB2-BD59-A6C34878D82A}">
-                    <a16:rowId xmlns:a16="http://schemas.microsoft.com/office/drawing/2014/main" val="1040562129"/>
+                    <a16:rowId xmlns:a16="http://schemas.microsoft.com/office/drawing/2014/main" xmlns="" val="1040562129"/>
                   </a:ext>
                 </a:extLst>
               </a:tr>
@@ -7576,7 +7576,7 @@
                 </a:tc>
                 <a:extLst>
                   <a:ext uri="{0D108BD9-81ED-4DB2-BD59-A6C34878D82A}">
-                    <a16:rowId xmlns:a16="http://schemas.microsoft.com/office/drawing/2014/main" val="3545416657"/>
+                    <a16:rowId xmlns:a16="http://schemas.microsoft.com/office/drawing/2014/main" xmlns="" val="3545416657"/>
                   </a:ext>
                 </a:extLst>
               </a:tr>
@@ -8105,42 +8105,42 @@
                 <a:gridCol w="1100667">
                   <a:extLst>
                     <a:ext uri="{9D8B030D-6E8A-4147-A177-3AD203B41FA5}">
-                      <a16:colId xmlns:a16="http://schemas.microsoft.com/office/drawing/2014/main" val="4198427936"/>
+                      <a16:colId xmlns:a16="http://schemas.microsoft.com/office/drawing/2014/main" xmlns="" val="4198427936"/>
                     </a:ext>
                   </a:extLst>
                 </a:gridCol>
                 <a:gridCol w="1100667">
                   <a:extLst>
                     <a:ext uri="{9D8B030D-6E8A-4147-A177-3AD203B41FA5}">
-                      <a16:colId xmlns:a16="http://schemas.microsoft.com/office/drawing/2014/main" val="4254424111"/>
+                      <a16:colId xmlns:a16="http://schemas.microsoft.com/office/drawing/2014/main" xmlns="" val="4254424111"/>
                     </a:ext>
                   </a:extLst>
                 </a:gridCol>
                 <a:gridCol w="1100667">
                   <a:extLst>
                     <a:ext uri="{9D8B030D-6E8A-4147-A177-3AD203B41FA5}">
-                      <a16:colId xmlns:a16="http://schemas.microsoft.com/office/drawing/2014/main" val="1907837265"/>
+                      <a16:colId xmlns:a16="http://schemas.microsoft.com/office/drawing/2014/main" xmlns="" val="1907837265"/>
                     </a:ext>
                   </a:extLst>
                 </a:gridCol>
                 <a:gridCol w="1100667">
                   <a:extLst>
                     <a:ext uri="{9D8B030D-6E8A-4147-A177-3AD203B41FA5}">
-                      <a16:colId xmlns:a16="http://schemas.microsoft.com/office/drawing/2014/main" val="3563690776"/>
+                      <a16:colId xmlns:a16="http://schemas.microsoft.com/office/drawing/2014/main" xmlns="" val="3563690776"/>
                     </a:ext>
                   </a:extLst>
                 </a:gridCol>
                 <a:gridCol w="1100667">
                   <a:extLst>
                     <a:ext uri="{9D8B030D-6E8A-4147-A177-3AD203B41FA5}">
-                      <a16:colId xmlns:a16="http://schemas.microsoft.com/office/drawing/2014/main" val="1971670682"/>
+                      <a16:colId xmlns:a16="http://schemas.microsoft.com/office/drawing/2014/main" xmlns="" val="1971670682"/>
                     </a:ext>
                   </a:extLst>
                 </a:gridCol>
                 <a:gridCol w="1100667">
                   <a:extLst>
                     <a:ext uri="{9D8B030D-6E8A-4147-A177-3AD203B41FA5}">
-                      <a16:colId xmlns:a16="http://schemas.microsoft.com/office/drawing/2014/main" val="1190195206"/>
+                      <a16:colId xmlns:a16="http://schemas.microsoft.com/office/drawing/2014/main" xmlns="" val="1190195206"/>
                     </a:ext>
                   </a:extLst>
                 </a:gridCol>
@@ -8226,7 +8226,7 @@
                 </a:tc>
                 <a:extLst>
                   <a:ext uri="{0D108BD9-81ED-4DB2-BD59-A6C34878D82A}">
-                    <a16:rowId xmlns:a16="http://schemas.microsoft.com/office/drawing/2014/main" val="1040562129"/>
+                    <a16:rowId xmlns:a16="http://schemas.microsoft.com/office/drawing/2014/main" xmlns="" val="1040562129"/>
                   </a:ext>
                 </a:extLst>
               </a:tr>
@@ -8346,7 +8346,7 @@
                 </a:tc>
                 <a:extLst>
                   <a:ext uri="{0D108BD9-81ED-4DB2-BD59-A6C34878D82A}">
-                    <a16:rowId xmlns:a16="http://schemas.microsoft.com/office/drawing/2014/main" val="3545416657"/>
+                    <a16:rowId xmlns:a16="http://schemas.microsoft.com/office/drawing/2014/main" xmlns="" val="3545416657"/>
                   </a:ext>
                 </a:extLst>
               </a:tr>
@@ -8889,42 +8889,42 @@
                 <a:gridCol w="1100667">
                   <a:extLst>
                     <a:ext uri="{9D8B030D-6E8A-4147-A177-3AD203B41FA5}">
-                      <a16:colId xmlns:a16="http://schemas.microsoft.com/office/drawing/2014/main" val="4198427936"/>
+                      <a16:colId xmlns:a16="http://schemas.microsoft.com/office/drawing/2014/main" xmlns="" val="4198427936"/>
                     </a:ext>
                   </a:extLst>
                 </a:gridCol>
                 <a:gridCol w="1100667">
                   <a:extLst>
                     <a:ext uri="{9D8B030D-6E8A-4147-A177-3AD203B41FA5}">
-                      <a16:colId xmlns:a16="http://schemas.microsoft.com/office/drawing/2014/main" val="4254424111"/>
+                      <a16:colId xmlns:a16="http://schemas.microsoft.com/office/drawing/2014/main" xmlns="" val="4254424111"/>
                     </a:ext>
                   </a:extLst>
                 </a:gridCol>
                 <a:gridCol w="1100667">
                   <a:extLst>
                     <a:ext uri="{9D8B030D-6E8A-4147-A177-3AD203B41FA5}">
-                      <a16:colId xmlns:a16="http://schemas.microsoft.com/office/drawing/2014/main" val="1907837265"/>
+                      <a16:colId xmlns:a16="http://schemas.microsoft.com/office/drawing/2014/main" xmlns="" val="1907837265"/>
                     </a:ext>
                   </a:extLst>
                 </a:gridCol>
                 <a:gridCol w="1100667">
                   <a:extLst>
                     <a:ext uri="{9D8B030D-6E8A-4147-A177-3AD203B41FA5}">
-                      <a16:colId xmlns:a16="http://schemas.microsoft.com/office/drawing/2014/main" val="3563690776"/>
+                      <a16:colId xmlns:a16="http://schemas.microsoft.com/office/drawing/2014/main" xmlns="" val="3563690776"/>
                     </a:ext>
                   </a:extLst>
                 </a:gridCol>
                 <a:gridCol w="1100667">
                   <a:extLst>
                     <a:ext uri="{9D8B030D-6E8A-4147-A177-3AD203B41FA5}">
-                      <a16:colId xmlns:a16="http://schemas.microsoft.com/office/drawing/2014/main" val="1971670682"/>
+                      <a16:colId xmlns:a16="http://schemas.microsoft.com/office/drawing/2014/main" xmlns="" val="1971670682"/>
                     </a:ext>
                   </a:extLst>
                 </a:gridCol>
                 <a:gridCol w="1100667">
                   <a:extLst>
                     <a:ext uri="{9D8B030D-6E8A-4147-A177-3AD203B41FA5}">
-                      <a16:colId xmlns:a16="http://schemas.microsoft.com/office/drawing/2014/main" val="1190195206"/>
+                      <a16:colId xmlns:a16="http://schemas.microsoft.com/office/drawing/2014/main" xmlns="" val="1190195206"/>
                     </a:ext>
                   </a:extLst>
                 </a:gridCol>
@@ -9010,7 +9010,7 @@
                 </a:tc>
                 <a:extLst>
                   <a:ext uri="{0D108BD9-81ED-4DB2-BD59-A6C34878D82A}">
-                    <a16:rowId xmlns:a16="http://schemas.microsoft.com/office/drawing/2014/main" val="1040562129"/>
+                    <a16:rowId xmlns:a16="http://schemas.microsoft.com/office/drawing/2014/main" xmlns="" val="1040562129"/>
                   </a:ext>
                 </a:extLst>
               </a:tr>
@@ -9130,7 +9130,7 @@
                 </a:tc>
                 <a:extLst>
                   <a:ext uri="{0D108BD9-81ED-4DB2-BD59-A6C34878D82A}">
-                    <a16:rowId xmlns:a16="http://schemas.microsoft.com/office/drawing/2014/main" val="3545416657"/>
+                    <a16:rowId xmlns:a16="http://schemas.microsoft.com/office/drawing/2014/main" xmlns="" val="3545416657"/>
                   </a:ext>
                 </a:extLst>
               </a:tr>
@@ -9664,42 +9664,42 @@
                 <a:gridCol w="1100667">
                   <a:extLst>
                     <a:ext uri="{9D8B030D-6E8A-4147-A177-3AD203B41FA5}">
-                      <a16:colId xmlns:a16="http://schemas.microsoft.com/office/drawing/2014/main" val="4198427936"/>
+                      <a16:colId xmlns:a16="http://schemas.microsoft.com/office/drawing/2014/main" xmlns="" val="4198427936"/>
                     </a:ext>
                   </a:extLst>
                 </a:gridCol>
                 <a:gridCol w="1100667">
                   <a:extLst>
                     <a:ext uri="{9D8B030D-6E8A-4147-A177-3AD203B41FA5}">
-                      <a16:colId xmlns:a16="http://schemas.microsoft.com/office/drawing/2014/main" val="4254424111"/>
+                      <a16:colId xmlns:a16="http://schemas.microsoft.com/office/drawing/2014/main" xmlns="" val="4254424111"/>
                     </a:ext>
                   </a:extLst>
                 </a:gridCol>
                 <a:gridCol w="1100667">
                   <a:extLst>
                     <a:ext uri="{9D8B030D-6E8A-4147-A177-3AD203B41FA5}">
-                      <a16:colId xmlns:a16="http://schemas.microsoft.com/office/drawing/2014/main" val="1907837265"/>
+                      <a16:colId xmlns:a16="http://schemas.microsoft.com/office/drawing/2014/main" xmlns="" val="1907837265"/>
                     </a:ext>
                   </a:extLst>
                 </a:gridCol>
                 <a:gridCol w="1100667">
                   <a:extLst>
                     <a:ext uri="{9D8B030D-6E8A-4147-A177-3AD203B41FA5}">
-                      <a16:colId xmlns:a16="http://schemas.microsoft.com/office/drawing/2014/main" val="3563690776"/>
+                      <a16:colId xmlns:a16="http://schemas.microsoft.com/office/drawing/2014/main" xmlns="" val="3563690776"/>
                     </a:ext>
                   </a:extLst>
                 </a:gridCol>
                 <a:gridCol w="1100667">
                   <a:extLst>
                     <a:ext uri="{9D8B030D-6E8A-4147-A177-3AD203B41FA5}">
-                      <a16:colId xmlns:a16="http://schemas.microsoft.com/office/drawing/2014/main" val="1971670682"/>
+                      <a16:colId xmlns:a16="http://schemas.microsoft.com/office/drawing/2014/main" xmlns="" val="1971670682"/>
                     </a:ext>
                   </a:extLst>
                 </a:gridCol>
                 <a:gridCol w="1100667">
                   <a:extLst>
                     <a:ext uri="{9D8B030D-6E8A-4147-A177-3AD203B41FA5}">
-                      <a16:colId xmlns:a16="http://schemas.microsoft.com/office/drawing/2014/main" val="1190195206"/>
+                      <a16:colId xmlns:a16="http://schemas.microsoft.com/office/drawing/2014/main" xmlns="" val="1190195206"/>
                     </a:ext>
                   </a:extLst>
                 </a:gridCol>
@@ -9785,7 +9785,7 @@
                 </a:tc>
                 <a:extLst>
                   <a:ext uri="{0D108BD9-81ED-4DB2-BD59-A6C34878D82A}">
-                    <a16:rowId xmlns:a16="http://schemas.microsoft.com/office/drawing/2014/main" val="1040562129"/>
+                    <a16:rowId xmlns:a16="http://schemas.microsoft.com/office/drawing/2014/main" xmlns="" val="1040562129"/>
                   </a:ext>
                 </a:extLst>
               </a:tr>
@@ -9905,7 +9905,7 @@
                 </a:tc>
                 <a:extLst>
                   <a:ext uri="{0D108BD9-81ED-4DB2-BD59-A6C34878D82A}">
-                    <a16:rowId xmlns:a16="http://schemas.microsoft.com/office/drawing/2014/main" val="3545416657"/>
+                    <a16:rowId xmlns:a16="http://schemas.microsoft.com/office/drawing/2014/main" xmlns="" val="3545416657"/>
                   </a:ext>
                 </a:extLst>
               </a:tr>
@@ -10425,42 +10425,42 @@
                 <a:gridCol w="1100667">
                   <a:extLst>
                     <a:ext uri="{9D8B030D-6E8A-4147-A177-3AD203B41FA5}">
-                      <a16:colId xmlns:a16="http://schemas.microsoft.com/office/drawing/2014/main" val="4198427936"/>
+                      <a16:colId xmlns:a16="http://schemas.microsoft.com/office/drawing/2014/main" xmlns="" val="4198427936"/>
                     </a:ext>
                   </a:extLst>
                 </a:gridCol>
                 <a:gridCol w="1100667">
                   <a:extLst>
                     <a:ext uri="{9D8B030D-6E8A-4147-A177-3AD203B41FA5}">
-                      <a16:colId xmlns:a16="http://schemas.microsoft.com/office/drawing/2014/main" val="4254424111"/>
+                      <a16:colId xmlns:a16="http://schemas.microsoft.com/office/drawing/2014/main" xmlns="" val="4254424111"/>
                     </a:ext>
                   </a:extLst>
                 </a:gridCol>
                 <a:gridCol w="1100667">
                   <a:extLst>
                     <a:ext uri="{9D8B030D-6E8A-4147-A177-3AD203B41FA5}">
-                      <a16:colId xmlns:a16="http://schemas.microsoft.com/office/drawing/2014/main" val="1907837265"/>
+                      <a16:colId xmlns:a16="http://schemas.microsoft.com/office/drawing/2014/main" xmlns="" val="1907837265"/>
                     </a:ext>
                   </a:extLst>
                 </a:gridCol>
                 <a:gridCol w="1100667">
                   <a:extLst>
                     <a:ext uri="{9D8B030D-6E8A-4147-A177-3AD203B41FA5}">
-                      <a16:colId xmlns:a16="http://schemas.microsoft.com/office/drawing/2014/main" val="3563690776"/>
+                      <a16:colId xmlns:a16="http://schemas.microsoft.com/office/drawing/2014/main" xmlns="" val="3563690776"/>
                     </a:ext>
                   </a:extLst>
                 </a:gridCol>
                 <a:gridCol w="1100667">
                   <a:extLst>
                     <a:ext uri="{9D8B030D-6E8A-4147-A177-3AD203B41FA5}">
-                      <a16:colId xmlns:a16="http://schemas.microsoft.com/office/drawing/2014/main" val="1971670682"/>
+                      <a16:colId xmlns:a16="http://schemas.microsoft.com/office/drawing/2014/main" xmlns="" val="1971670682"/>
                     </a:ext>
                   </a:extLst>
                 </a:gridCol>
                 <a:gridCol w="1100667">
                   <a:extLst>
                     <a:ext uri="{9D8B030D-6E8A-4147-A177-3AD203B41FA5}">
-                      <a16:colId xmlns:a16="http://schemas.microsoft.com/office/drawing/2014/main" val="1190195206"/>
+                      <a16:colId xmlns:a16="http://schemas.microsoft.com/office/drawing/2014/main" xmlns="" val="1190195206"/>
                     </a:ext>
                   </a:extLst>
                 </a:gridCol>
@@ -10546,7 +10546,7 @@
                 </a:tc>
                 <a:extLst>
                   <a:ext uri="{0D108BD9-81ED-4DB2-BD59-A6C34878D82A}">
-                    <a16:rowId xmlns:a16="http://schemas.microsoft.com/office/drawing/2014/main" val="1040562129"/>
+                    <a16:rowId xmlns:a16="http://schemas.microsoft.com/office/drawing/2014/main" xmlns="" val="1040562129"/>
                   </a:ext>
                 </a:extLst>
               </a:tr>
@@ -10666,7 +10666,7 @@
                 </a:tc>
                 <a:extLst>
                   <a:ext uri="{0D108BD9-81ED-4DB2-BD59-A6C34878D82A}">
-                    <a16:rowId xmlns:a16="http://schemas.microsoft.com/office/drawing/2014/main" val="3545416657"/>
+                    <a16:rowId xmlns:a16="http://schemas.microsoft.com/office/drawing/2014/main" xmlns="" val="3545416657"/>
                   </a:ext>
                 </a:extLst>
               </a:tr>
@@ -11200,42 +11200,42 @@
                 <a:gridCol w="1100667">
                   <a:extLst>
                     <a:ext uri="{9D8B030D-6E8A-4147-A177-3AD203B41FA5}">
-                      <a16:colId xmlns:a16="http://schemas.microsoft.com/office/drawing/2014/main" val="4198427936"/>
+                      <a16:colId xmlns:a16="http://schemas.microsoft.com/office/drawing/2014/main" xmlns="" val="4198427936"/>
                     </a:ext>
                   </a:extLst>
                 </a:gridCol>
                 <a:gridCol w="1100667">
                   <a:extLst>
                     <a:ext uri="{9D8B030D-6E8A-4147-A177-3AD203B41FA5}">
-                      <a16:colId xmlns:a16="http://schemas.microsoft.com/office/drawing/2014/main" val="4254424111"/>
+                      <a16:colId xmlns:a16="http://schemas.microsoft.com/office/drawing/2014/main" xmlns="" val="4254424111"/>
                     </a:ext>
                   </a:extLst>
                 </a:gridCol>
                 <a:gridCol w="1100667">
                   <a:extLst>
                     <a:ext uri="{9D8B030D-6E8A-4147-A177-3AD203B41FA5}">
-                      <a16:colId xmlns:a16="http://schemas.microsoft.com/office/drawing/2014/main" val="1907837265"/>
+                      <a16:colId xmlns:a16="http://schemas.microsoft.com/office/drawing/2014/main" xmlns="" val="1907837265"/>
                     </a:ext>
                   </a:extLst>
                 </a:gridCol>
                 <a:gridCol w="1100667">
                   <a:extLst>
                     <a:ext uri="{9D8B030D-6E8A-4147-A177-3AD203B41FA5}">
-                      <a16:colId xmlns:a16="http://schemas.microsoft.com/office/drawing/2014/main" val="3563690776"/>
+                      <a16:colId xmlns:a16="http://schemas.microsoft.com/office/drawing/2014/main" xmlns="" val="3563690776"/>
                     </a:ext>
                   </a:extLst>
                 </a:gridCol>
                 <a:gridCol w="1100667">
                   <a:extLst>
                     <a:ext uri="{9D8B030D-6E8A-4147-A177-3AD203B41FA5}">
-                      <a16:colId xmlns:a16="http://schemas.microsoft.com/office/drawing/2014/main" val="1971670682"/>
+                      <a16:colId xmlns:a16="http://schemas.microsoft.com/office/drawing/2014/main" xmlns="" val="1971670682"/>
                     </a:ext>
                   </a:extLst>
                 </a:gridCol>
                 <a:gridCol w="1100667">
                   <a:extLst>
                     <a:ext uri="{9D8B030D-6E8A-4147-A177-3AD203B41FA5}">
-                      <a16:colId xmlns:a16="http://schemas.microsoft.com/office/drawing/2014/main" val="1190195206"/>
+                      <a16:colId xmlns:a16="http://schemas.microsoft.com/office/drawing/2014/main" xmlns="" val="1190195206"/>
                     </a:ext>
                   </a:extLst>
                 </a:gridCol>
@@ -11321,7 +11321,7 @@
                 </a:tc>
                 <a:extLst>
                   <a:ext uri="{0D108BD9-81ED-4DB2-BD59-A6C34878D82A}">
-                    <a16:rowId xmlns:a16="http://schemas.microsoft.com/office/drawing/2014/main" val="1040562129"/>
+                    <a16:rowId xmlns:a16="http://schemas.microsoft.com/office/drawing/2014/main" xmlns="" val="1040562129"/>
                   </a:ext>
                 </a:extLst>
               </a:tr>
@@ -11441,7 +11441,7 @@
                 </a:tc>
                 <a:extLst>
                   <a:ext uri="{0D108BD9-81ED-4DB2-BD59-A6C34878D82A}">
-                    <a16:rowId xmlns:a16="http://schemas.microsoft.com/office/drawing/2014/main" val="3545416657"/>
+                    <a16:rowId xmlns:a16="http://schemas.microsoft.com/office/drawing/2014/main" xmlns="" val="3545416657"/>
                   </a:ext>
                 </a:extLst>
               </a:tr>
@@ -11642,8 +11642,117 @@
                   <a:schemeClr val="tx1"/>
                 </a:solidFill>
               </a:rPr>
-              <a:t> Kyle</a:t>
-            </a:r>
+              <a:t> </a:t>
+            </a:r>
+            <a:r>
+              <a:rPr lang="en-AU" sz="2400" dirty="0" smtClean="0">
+                <a:solidFill>
+                  <a:schemeClr val="tx1"/>
+                </a:solidFill>
+              </a:rPr>
+              <a:t>As a </a:t>
+            </a:r>
+            <a:r>
+              <a:rPr lang="en-AU" sz="2400" dirty="0">
+                <a:solidFill>
+                  <a:schemeClr val="tx1"/>
+                </a:solidFill>
+              </a:rPr>
+              <a:t>u</a:t>
+            </a:r>
+            <a:r>
+              <a:rPr lang="en-AU" sz="2400" dirty="0" smtClean="0">
+                <a:solidFill>
+                  <a:schemeClr val="tx1"/>
+                </a:solidFill>
+              </a:rPr>
+              <a:t>ser </a:t>
+            </a:r>
+            <a:r>
+              <a:rPr lang="en-AU" sz="2400" dirty="0">
+                <a:solidFill>
+                  <a:schemeClr val="tx1"/>
+                </a:solidFill>
+              </a:rPr>
+              <a:t>(both </a:t>
+            </a:r>
+            <a:r>
+              <a:rPr lang="en-AU" sz="2400" dirty="0" smtClean="0">
+                <a:solidFill>
+                  <a:schemeClr val="tx1"/>
+                </a:solidFill>
+              </a:rPr>
+              <a:t>visitor </a:t>
+            </a:r>
+            <a:r>
+              <a:rPr lang="en-AU" sz="2400" dirty="0">
+                <a:solidFill>
+                  <a:schemeClr val="tx1"/>
+                </a:solidFill>
+              </a:rPr>
+              <a:t>and logged-in </a:t>
+            </a:r>
+            <a:r>
+              <a:rPr lang="en-AU" sz="2400" dirty="0" smtClean="0">
+                <a:solidFill>
+                  <a:schemeClr val="tx1"/>
+                </a:solidFill>
+              </a:rPr>
+              <a:t>user) I should </a:t>
+            </a:r>
+            <a:r>
+              <a:rPr lang="en-AU" sz="2400" dirty="0">
+                <a:solidFill>
+                  <a:schemeClr val="tx1"/>
+                </a:solidFill>
+              </a:rPr>
+              <a:t>be presented with a number of local events and </a:t>
+            </a:r>
+            <a:r>
+              <a:rPr lang="en-AU" sz="2400" dirty="0" smtClean="0">
+                <a:solidFill>
+                  <a:schemeClr val="tx1"/>
+                </a:solidFill>
+              </a:rPr>
+              <a:t>places and if </a:t>
+            </a:r>
+            <a:r>
+              <a:rPr lang="en-AU" sz="2400" dirty="0">
+                <a:solidFill>
+                  <a:schemeClr val="tx1"/>
+                </a:solidFill>
+              </a:rPr>
+              <a:t>possible, the system should determine </a:t>
+            </a:r>
+            <a:r>
+              <a:rPr lang="en-AU" sz="2400" dirty="0" smtClean="0">
+                <a:solidFill>
+                  <a:schemeClr val="tx1"/>
+                </a:solidFill>
+              </a:rPr>
+              <a:t>my </a:t>
+            </a:r>
+            <a:r>
+              <a:rPr lang="en-AU" sz="2400" dirty="0">
+                <a:solidFill>
+                  <a:schemeClr val="tx1"/>
+                </a:solidFill>
+              </a:rPr>
+              <a:t>location and </a:t>
+            </a:r>
+            <a:r>
+              <a:rPr lang="en-AU" sz="2400" dirty="0" smtClean="0">
+                <a:solidFill>
+                  <a:schemeClr val="tx1"/>
+                </a:solidFill>
+              </a:rPr>
+              <a:t>interests so that I can make well informed decision of where I would like to visit.</a:t>
+            </a:r>
+            <a:endParaRPr lang="en-AU" sz="2400" dirty="0">
+              <a:solidFill>
+                <a:schemeClr val="tx1"/>
+              </a:solidFill>
+            </a:endParaRPr>
           </a:p>
         </p:txBody>
       </p:sp>
@@ -11711,12 +11820,12 @@
               <a:buChar char="-"/>
             </a:pPr>
             <a:r>
-              <a:rPr lang="en-US" dirty="0">
+              <a:rPr lang="en-US" dirty="0" smtClean="0">
                 <a:solidFill>
                   <a:schemeClr val="tx1"/>
                 </a:solidFill>
               </a:rPr>
-              <a:t>TBC</a:t>
+              <a:t>Places and events are updated over time</a:t>
             </a:r>
           </a:p>
           <a:p>
@@ -11724,6 +11833,42 @@
               <a:buFontTx/>
               <a:buChar char="-"/>
             </a:pPr>
+            <a:r>
+              <a:rPr lang="en-US" dirty="0" smtClean="0">
+                <a:solidFill>
+                  <a:schemeClr val="tx1"/>
+                </a:solidFill>
+              </a:rPr>
+              <a:t>Location is accurate</a:t>
+            </a:r>
+          </a:p>
+          <a:p>
+            <a:pPr marL="285750" indent="-285750" fontAlgn="t">
+              <a:buFontTx/>
+              <a:buChar char="-"/>
+            </a:pPr>
+            <a:r>
+              <a:rPr lang="en-US" dirty="0" smtClean="0">
+                <a:solidFill>
+                  <a:schemeClr val="tx1"/>
+                </a:solidFill>
+              </a:rPr>
+              <a:t>Nearby events/places displayed first</a:t>
+            </a:r>
+          </a:p>
+          <a:p>
+            <a:pPr marL="285750" indent="-285750" fontAlgn="t">
+              <a:buFontTx/>
+              <a:buChar char="-"/>
+            </a:pPr>
+            <a:r>
+              <a:rPr lang="en-US" dirty="0" smtClean="0">
+                <a:solidFill>
+                  <a:schemeClr val="tx1"/>
+                </a:solidFill>
+              </a:rPr>
+              <a:t>Test: new places appear</a:t>
+            </a:r>
             <a:endParaRPr lang="en-AU" dirty="0">
               <a:solidFill>
                 <a:schemeClr val="tx1"/>
@@ -11934,42 +12079,42 @@
                 <a:gridCol w="1100667">
                   <a:extLst>
                     <a:ext uri="{9D8B030D-6E8A-4147-A177-3AD203B41FA5}">
-                      <a16:colId xmlns:a16="http://schemas.microsoft.com/office/drawing/2014/main" val="4198427936"/>
+                      <a16:colId xmlns:a16="http://schemas.microsoft.com/office/drawing/2014/main" xmlns="" val="4198427936"/>
                     </a:ext>
                   </a:extLst>
                 </a:gridCol>
                 <a:gridCol w="1100667">
                   <a:extLst>
                     <a:ext uri="{9D8B030D-6E8A-4147-A177-3AD203B41FA5}">
-                      <a16:colId xmlns:a16="http://schemas.microsoft.com/office/drawing/2014/main" val="4254424111"/>
+                      <a16:colId xmlns:a16="http://schemas.microsoft.com/office/drawing/2014/main" xmlns="" val="4254424111"/>
                     </a:ext>
                   </a:extLst>
                 </a:gridCol>
                 <a:gridCol w="1100667">
                   <a:extLst>
                     <a:ext uri="{9D8B030D-6E8A-4147-A177-3AD203B41FA5}">
-                      <a16:colId xmlns:a16="http://schemas.microsoft.com/office/drawing/2014/main" val="1907837265"/>
+                      <a16:colId xmlns:a16="http://schemas.microsoft.com/office/drawing/2014/main" xmlns="" val="1907837265"/>
                     </a:ext>
                   </a:extLst>
                 </a:gridCol>
                 <a:gridCol w="1100667">
                   <a:extLst>
                     <a:ext uri="{9D8B030D-6E8A-4147-A177-3AD203B41FA5}">
-                      <a16:colId xmlns:a16="http://schemas.microsoft.com/office/drawing/2014/main" val="3563690776"/>
+                      <a16:colId xmlns:a16="http://schemas.microsoft.com/office/drawing/2014/main" xmlns="" val="3563690776"/>
                     </a:ext>
                   </a:extLst>
                 </a:gridCol>
                 <a:gridCol w="1100667">
                   <a:extLst>
                     <a:ext uri="{9D8B030D-6E8A-4147-A177-3AD203B41FA5}">
-                      <a16:colId xmlns:a16="http://schemas.microsoft.com/office/drawing/2014/main" val="1971670682"/>
+                      <a16:colId xmlns:a16="http://schemas.microsoft.com/office/drawing/2014/main" xmlns="" val="1971670682"/>
                     </a:ext>
                   </a:extLst>
                 </a:gridCol>
                 <a:gridCol w="1100667">
                   <a:extLst>
                     <a:ext uri="{9D8B030D-6E8A-4147-A177-3AD203B41FA5}">
-                      <a16:colId xmlns:a16="http://schemas.microsoft.com/office/drawing/2014/main" val="1190195206"/>
+                      <a16:colId xmlns:a16="http://schemas.microsoft.com/office/drawing/2014/main" xmlns="" val="1190195206"/>
                     </a:ext>
                   </a:extLst>
                 </a:gridCol>
@@ -12055,7 +12200,7 @@
                 </a:tc>
                 <a:extLst>
                   <a:ext uri="{0D108BD9-81ED-4DB2-BD59-A6C34878D82A}">
-                    <a16:rowId xmlns:a16="http://schemas.microsoft.com/office/drawing/2014/main" val="1040562129"/>
+                    <a16:rowId xmlns:a16="http://schemas.microsoft.com/office/drawing/2014/main" xmlns="" val="1040562129"/>
                   </a:ext>
                 </a:extLst>
               </a:tr>
@@ -12175,7 +12320,7 @@
                 </a:tc>
                 <a:extLst>
                   <a:ext uri="{0D108BD9-81ED-4DB2-BD59-A6C34878D82A}">
-                    <a16:rowId xmlns:a16="http://schemas.microsoft.com/office/drawing/2014/main" val="3545416657"/>
+                    <a16:rowId xmlns:a16="http://schemas.microsoft.com/office/drawing/2014/main" xmlns="" val="3545416657"/>
                   </a:ext>
                 </a:extLst>
               </a:tr>
